--- a/hima.pptx
+++ b/hima.pptx
@@ -18,7 +18,6 @@
     <p:sldId id="266" r:id="rId12"/>
     <p:sldId id="267" r:id="rId13"/>
     <p:sldId id="268" r:id="rId14"/>
-    <p:sldId id="269" r:id="rId15"/>
   </p:sldIdLst>
   <p:sldSz cx="12192000" cy="6858000"/>
   <p:notesSz cx="6858000" cy="9144000"/>
@@ -117,6 +116,11 @@
       </a:defRPr>
     </a:lvl9pPr>
   </p:defaultTextStyle>
+  <p:extLst>
+    <p:ext uri="{EFAFB233-063F-42B5-8137-9DF3F51BA10A}">
+      <p15:sldGuideLst xmlns:p15="http://schemas.microsoft.com/office/powerpoint/2012/main"/>
+    </p:ext>
+  </p:extLst>
 </p:presentation>
 </file>
 
@@ -5903,12 +5907,21 @@
             <p:ph type="title"/>
           </p:nvPr>
         </p:nvSpPr>
-        <p:spPr/>
+        <p:spPr>
+          <a:xfrm>
+            <a:off x="685801" y="609601"/>
+            <a:ext cx="10131425" cy="833306"/>
+          </a:xfrm>
+        </p:spPr>
         <p:txBody>
           <a:bodyPr/>
           <a:lstStyle/>
           <a:p>
-            <a:endParaRPr lang="en-IN"/>
+            <a:r>
+              <a:rPr lang="en-US" dirty="0"/>
+              <a:t>modelling</a:t>
+            </a:r>
+            <a:endParaRPr lang="en-IN" dirty="0"/>
           </a:p>
         </p:txBody>
       </p:sp>
@@ -6065,7 +6078,12 @@
             <p:ph idx="1"/>
           </p:nvPr>
         </p:nvSpPr>
-        <p:spPr/>
+        <p:spPr>
+          <a:xfrm>
+            <a:off x="685801" y="2142067"/>
+            <a:ext cx="10131425" cy="4376179"/>
+          </a:xfrm>
+        </p:spPr>
         <p:txBody>
           <a:bodyPr/>
           <a:lstStyle/>
@@ -6124,31 +6142,6 @@
       </p:grpSpPr>
       <p:sp>
         <p:nvSpPr>
-          <p:cNvPr id="2" name="Title 1">
-            <a:extLst>
-              <a:ext uri="{FF2B5EF4-FFF2-40B4-BE49-F238E27FC236}">
-                <a16:creationId xmlns:a16="http://schemas.microsoft.com/office/drawing/2014/main" id="{634BE627-B340-4294-5D8E-4ABC4C85D259}"/>
-              </a:ext>
-            </a:extLst>
-          </p:cNvPr>
-          <p:cNvSpPr>
-            <a:spLocks noGrp="1"/>
-          </p:cNvSpPr>
-          <p:nvPr>
-            <p:ph type="title"/>
-          </p:nvPr>
-        </p:nvSpPr>
-        <p:spPr/>
-        <p:txBody>
-          <a:bodyPr/>
-          <a:lstStyle/>
-          <a:p>
-            <a:endParaRPr lang="en-IN"/>
-          </a:p>
-        </p:txBody>
-      </p:sp>
-      <p:sp>
-        <p:nvSpPr>
           <p:cNvPr id="3" name="Content Placeholder 2">
             <a:extLst>
               <a:ext uri="{FF2B5EF4-FFF2-40B4-BE49-F238E27FC236}">
@@ -6163,12 +6156,29 @@
             <p:ph idx="1"/>
           </p:nvPr>
         </p:nvSpPr>
-        <p:spPr/>
-        <p:txBody>
-          <a:bodyPr/>
-          <a:lstStyle/>
-          <a:p>
-            <a:endParaRPr lang="en-IN"/>
+        <p:spPr>
+          <a:xfrm>
+            <a:off x="685801" y="369117"/>
+            <a:ext cx="10131425" cy="5422084"/>
+          </a:xfrm>
+        </p:spPr>
+        <p:txBody>
+          <a:bodyPr>
+            <a:normAutofit/>
+          </a:bodyPr>
+          <a:lstStyle/>
+          <a:p>
+            <a:r>
+              <a:rPr lang="en-US" sz="2000" dirty="0"/>
+              <a:t>Project link : </a:t>
+            </a:r>
+            <a:r>
+              <a:rPr lang="en-US" sz="2000" dirty="0">
+                <a:hlinkClick r:id="rId2" action="ppaction://hlinkpres?slideindex=1&amp;slidetitle="/>
+              </a:rPr>
+              <a:t>https://github.com/AHHarshi/hima_apssdc.git</a:t>
+            </a:r>
+            <a:endParaRPr lang="en-IN" sz="2000" dirty="0"/>
           </a:p>
         </p:txBody>
       </p:sp>
@@ -6204,31 +6214,6 @@
       </p:grpSpPr>
       <p:sp>
         <p:nvSpPr>
-          <p:cNvPr id="2" name="Title 1">
-            <a:extLst>
-              <a:ext uri="{FF2B5EF4-FFF2-40B4-BE49-F238E27FC236}">
-                <a16:creationId xmlns:a16="http://schemas.microsoft.com/office/drawing/2014/main" id="{DC773706-6A42-1F31-EFBF-804768EC3647}"/>
-              </a:ext>
-            </a:extLst>
-          </p:cNvPr>
-          <p:cNvSpPr>
-            <a:spLocks noGrp="1"/>
-          </p:cNvSpPr>
-          <p:nvPr>
-            <p:ph type="title"/>
-          </p:nvPr>
-        </p:nvSpPr>
-        <p:spPr/>
-        <p:txBody>
-          <a:bodyPr/>
-          <a:lstStyle/>
-          <a:p>
-            <a:endParaRPr lang="en-IN"/>
-          </a:p>
-        </p:txBody>
-      </p:sp>
-      <p:sp>
-        <p:nvSpPr>
           <p:cNvPr id="3" name="Content Placeholder 2">
             <a:extLst>
               <a:ext uri="{FF2B5EF4-FFF2-40B4-BE49-F238E27FC236}">
@@ -6243,12 +6228,34 @@
             <p:ph idx="1"/>
           </p:nvPr>
         </p:nvSpPr>
-        <p:spPr/>
-        <p:txBody>
-          <a:bodyPr/>
-          <a:lstStyle/>
-          <a:p>
-            <a:endParaRPr lang="en-IN"/>
+        <p:spPr>
+          <a:xfrm>
+            <a:off x="727746" y="1328335"/>
+            <a:ext cx="10131425" cy="3649133"/>
+          </a:xfrm>
+        </p:spPr>
+        <p:txBody>
+          <a:bodyPr>
+            <a:normAutofit/>
+          </a:bodyPr>
+          <a:lstStyle/>
+          <a:p>
+            <a:pPr marL="0" indent="0">
+              <a:buNone/>
+            </a:pPr>
+            <a:r>
+              <a:rPr lang="en-US" sz="3200" dirty="0"/>
+              <a:t>                                    </a:t>
+            </a:r>
+            <a:r>
+              <a:rPr lang="en-US" sz="4800" dirty="0">
+                <a:latin typeface="Lucida Handwriting" panose="03010101010101010101" pitchFamily="66" charset="0"/>
+              </a:rPr>
+              <a:t>Thank You</a:t>
+            </a:r>
+            <a:endParaRPr lang="en-IN" sz="4800" dirty="0">
+              <a:latin typeface="Lucida Handwriting" panose="03010101010101010101" pitchFamily="66" charset="0"/>
+            </a:endParaRPr>
           </a:p>
         </p:txBody>
       </p:sp>
@@ -6256,86 +6263,6 @@
     <p:extLst>
       <p:ext uri="{BB962C8B-B14F-4D97-AF65-F5344CB8AC3E}">
         <p14:creationId xmlns:p14="http://schemas.microsoft.com/office/powerpoint/2010/main" val="1150324547"/>
-      </p:ext>
-    </p:extLst>
-  </p:cSld>
-  <p:clrMapOvr>
-    <a:masterClrMapping/>
-  </p:clrMapOvr>
-</p:sld>
-</file>
-
-<file path=ppt/slides/slide14.xml><?xml version="1.0" encoding="utf-8"?>
-<p:sld xmlns:a="http://schemas.openxmlformats.org/drawingml/2006/main" xmlns:r="http://schemas.openxmlformats.org/officeDocument/2006/relationships" xmlns:p="http://schemas.openxmlformats.org/presentationml/2006/main">
-  <p:cSld>
-    <p:spTree>
-      <p:nvGrpSpPr>
-        <p:cNvPr id="1" name=""/>
-        <p:cNvGrpSpPr/>
-        <p:nvPr/>
-      </p:nvGrpSpPr>
-      <p:grpSpPr>
-        <a:xfrm>
-          <a:off x="0" y="0"/>
-          <a:ext cx="0" cy="0"/>
-          <a:chOff x="0" y="0"/>
-          <a:chExt cx="0" cy="0"/>
-        </a:xfrm>
-      </p:grpSpPr>
-      <p:sp>
-        <p:nvSpPr>
-          <p:cNvPr id="2" name="Title 1">
-            <a:extLst>
-              <a:ext uri="{FF2B5EF4-FFF2-40B4-BE49-F238E27FC236}">
-                <a16:creationId xmlns:a16="http://schemas.microsoft.com/office/drawing/2014/main" id="{4750A615-40FC-095A-D995-7DF977E1CA42}"/>
-              </a:ext>
-            </a:extLst>
-          </p:cNvPr>
-          <p:cNvSpPr>
-            <a:spLocks noGrp="1"/>
-          </p:cNvSpPr>
-          <p:nvPr>
-            <p:ph type="title"/>
-          </p:nvPr>
-        </p:nvSpPr>
-        <p:spPr/>
-        <p:txBody>
-          <a:bodyPr/>
-          <a:lstStyle/>
-          <a:p>
-            <a:endParaRPr lang="en-IN"/>
-          </a:p>
-        </p:txBody>
-      </p:sp>
-      <p:sp>
-        <p:nvSpPr>
-          <p:cNvPr id="3" name="Content Placeholder 2">
-            <a:extLst>
-              <a:ext uri="{FF2B5EF4-FFF2-40B4-BE49-F238E27FC236}">
-                <a16:creationId xmlns:a16="http://schemas.microsoft.com/office/drawing/2014/main" id="{279E903F-3F7E-611C-8CBE-950B159EA3CB}"/>
-              </a:ext>
-            </a:extLst>
-          </p:cNvPr>
-          <p:cNvSpPr>
-            <a:spLocks noGrp="1"/>
-          </p:cNvSpPr>
-          <p:nvPr>
-            <p:ph idx="1"/>
-          </p:nvPr>
-        </p:nvSpPr>
-        <p:spPr/>
-        <p:txBody>
-          <a:bodyPr/>
-          <a:lstStyle/>
-          <a:p>
-            <a:endParaRPr lang="en-IN"/>
-          </a:p>
-        </p:txBody>
-      </p:sp>
-    </p:spTree>
-    <p:extLst>
-      <p:ext uri="{BB962C8B-B14F-4D97-AF65-F5344CB8AC3E}">
-        <p14:creationId xmlns:p14="http://schemas.microsoft.com/office/powerpoint/2010/main" val="3690182930"/>
       </p:ext>
     </p:extLst>
   </p:cSld>
@@ -6536,7 +6463,7 @@
           <a:p>
             <a:r>
               <a:rPr lang="en-IN" dirty="0"/>
-              <a:t>Solution</a:t>
+              <a:t>The wow in your Solution</a:t>
             </a:r>
           </a:p>
           <a:p>
@@ -7060,17 +6987,12 @@
                 <a:solidFill>
                   <a:schemeClr val="tx1"/>
                 </a:solidFill>
-                <a:latin typeface="Century Gothic"/>
-                <a:cs typeface="Arial"/>
+                <a:latin typeface="Calibri" panose="020F0502020204030204" pitchFamily="34" charset="0"/>
+                <a:ea typeface="Calibri" panose="020F0502020204030204" pitchFamily="34" charset="0"/>
+                <a:cs typeface="Calibri" panose="020F0502020204030204" pitchFamily="34" charset="0"/>
               </a:rPr>
               <a:t>As it is a software tool, it does not need system's owner permission.</a:t>
             </a:r>
-            <a:endParaRPr lang="en-US" sz="1800" dirty="0">
-              <a:solidFill>
-                <a:schemeClr val="tx1"/>
-              </a:solidFill>
-              <a:latin typeface="Century Gothic"/>
-            </a:endParaRPr>
           </a:p>
           <a:p>
             <a:pPr marL="0" indent="0">
@@ -7080,8 +7002,9 @@
               <a:solidFill>
                 <a:schemeClr val="tx1"/>
               </a:solidFill>
-              <a:latin typeface="Century Gothic"/>
-              <a:cs typeface="Arial"/>
+              <a:latin typeface="Calibri" panose="020F0502020204030204" pitchFamily="34" charset="0"/>
+              <a:ea typeface="Calibri" panose="020F0502020204030204" pitchFamily="34" charset="0"/>
+              <a:cs typeface="Calibri" panose="020F0502020204030204" pitchFamily="34" charset="0"/>
             </a:endParaRPr>
           </a:p>
           <a:p>
@@ -7094,8 +7017,9 @@
                 <a:solidFill>
                   <a:schemeClr val="tx1"/>
                 </a:solidFill>
-                <a:latin typeface="Century Gothic"/>
-                <a:cs typeface="Arial"/>
+                <a:latin typeface="Calibri" panose="020F0502020204030204" pitchFamily="34" charset="0"/>
+                <a:ea typeface="Calibri" panose="020F0502020204030204" pitchFamily="34" charset="0"/>
+                <a:cs typeface="Calibri" panose="020F0502020204030204" pitchFamily="34" charset="0"/>
               </a:rPr>
               <a:t>Some python libraries like </a:t>
             </a:r>
@@ -7104,8 +7028,9 @@
                 <a:solidFill>
                   <a:schemeClr val="tx1"/>
                 </a:solidFill>
-                <a:latin typeface="Century Gothic"/>
-                <a:cs typeface="Arial"/>
+                <a:latin typeface="Calibri" panose="020F0502020204030204" pitchFamily="34" charset="0"/>
+                <a:ea typeface="Calibri" panose="020F0502020204030204" pitchFamily="34" charset="0"/>
+                <a:cs typeface="Calibri" panose="020F0502020204030204" pitchFamily="34" charset="0"/>
               </a:rPr>
               <a:t>pynput</a:t>
             </a:r>
@@ -7114,8 +7039,9 @@
                 <a:solidFill>
                   <a:schemeClr val="tx1"/>
                 </a:solidFill>
-                <a:latin typeface="Century Gothic"/>
-                <a:cs typeface="Arial"/>
+                <a:latin typeface="Calibri" panose="020F0502020204030204" pitchFamily="34" charset="0"/>
+                <a:ea typeface="Calibri" panose="020F0502020204030204" pitchFamily="34" charset="0"/>
+                <a:cs typeface="Calibri" panose="020F0502020204030204" pitchFamily="34" charset="0"/>
               </a:rPr>
               <a:t>, </a:t>
             </a:r>
@@ -7124,8 +7050,9 @@
                 <a:solidFill>
                   <a:schemeClr val="tx1"/>
                 </a:solidFill>
-                <a:latin typeface="Century Gothic"/>
-                <a:cs typeface="Arial"/>
+                <a:latin typeface="Calibri" panose="020F0502020204030204" pitchFamily="34" charset="0"/>
+                <a:ea typeface="Calibri" panose="020F0502020204030204" pitchFamily="34" charset="0"/>
+                <a:cs typeface="Calibri" panose="020F0502020204030204" pitchFamily="34" charset="0"/>
               </a:rPr>
               <a:t>json</a:t>
             </a:r>
@@ -7134,8 +7061,9 @@
                 <a:solidFill>
                   <a:schemeClr val="tx1"/>
                 </a:solidFill>
-                <a:latin typeface="Century Gothic"/>
-                <a:cs typeface="Arial"/>
+                <a:latin typeface="Calibri" panose="020F0502020204030204" pitchFamily="34" charset="0"/>
+                <a:ea typeface="Calibri" panose="020F0502020204030204" pitchFamily="34" charset="0"/>
+                <a:cs typeface="Calibri" panose="020F0502020204030204" pitchFamily="34" charset="0"/>
               </a:rPr>
               <a:t> libraries are used.</a:t>
             </a:r>
@@ -7149,8 +7077,9 @@
               <a:solidFill>
                 <a:schemeClr val="tx1"/>
               </a:solidFill>
-              <a:latin typeface="Century Gothic"/>
-              <a:cs typeface="Arial"/>
+              <a:latin typeface="Calibri" panose="020F0502020204030204" pitchFamily="34" charset="0"/>
+              <a:ea typeface="Calibri" panose="020F0502020204030204" pitchFamily="34" charset="0"/>
+              <a:cs typeface="Calibri" panose="020F0502020204030204" pitchFamily="34" charset="0"/>
             </a:endParaRPr>
           </a:p>
           <a:p>
@@ -7163,20 +7092,11 @@
                 <a:solidFill>
                   <a:schemeClr val="tx1"/>
                 </a:solidFill>
-                <a:latin typeface="Century Gothic"/>
-                <a:cs typeface="Arial"/>
+                <a:latin typeface="Calibri" panose="020F0502020204030204" pitchFamily="34" charset="0"/>
+                <a:ea typeface="Calibri" panose="020F0502020204030204" pitchFamily="34" charset="0"/>
+                <a:cs typeface="Calibri" panose="020F0502020204030204" pitchFamily="34" charset="0"/>
               </a:rPr>
-              <a:t>The output recorded keystrokes are recorded in separate file in the </a:t>
-            </a:r>
-            <a:r>
-              <a:rPr lang="en-US" sz="1800" dirty="0">
-                <a:solidFill>
-                  <a:schemeClr val="tx1"/>
-                </a:solidFill>
-                <a:latin typeface="Century Gothic"/>
-                <a:cs typeface="Segoe UI"/>
-              </a:rPr>
-              <a:t>     same folder.</a:t>
+              <a:t>The output recorded keystrokes are recorded in separate file in the      same folder.</a:t>
             </a:r>
           </a:p>
           <a:p>
@@ -7427,12 +7347,21 @@
             <p:ph type="title"/>
           </p:nvPr>
         </p:nvSpPr>
-        <p:spPr/>
+        <p:spPr>
+          <a:xfrm>
+            <a:off x="685801" y="609600"/>
+            <a:ext cx="10131425" cy="774583"/>
+          </a:xfrm>
+        </p:spPr>
         <p:txBody>
           <a:bodyPr/>
           <a:lstStyle/>
           <a:p>
-            <a:endParaRPr lang="en-IN"/>
+            <a:r>
+              <a:rPr lang="en-US" dirty="0"/>
+              <a:t>modelling</a:t>
+            </a:r>
+            <a:endParaRPr lang="en-IN" dirty="0"/>
           </a:p>
         </p:txBody>
       </p:sp>
@@ -7452,10 +7381,15 @@
             <p:ph idx="1"/>
           </p:nvPr>
         </p:nvSpPr>
-        <p:spPr/>
+        <p:spPr>
+          <a:xfrm>
+            <a:off x="685801" y="1384183"/>
+            <a:ext cx="10131425" cy="4864217"/>
+          </a:xfrm>
+        </p:spPr>
         <p:txBody>
           <a:bodyPr>
-            <a:normAutofit fontScale="85000" lnSpcReduction="20000"/>
+            <a:normAutofit/>
           </a:bodyPr>
           <a:lstStyle/>
           <a:p>
